--- a/Linear Regression Predicting Housing Prices.pptx
+++ b/Linear Regression Predicting Housing Prices.pptx
@@ -6,11 +6,11 @@
   </p:sldMasterIdLst>
   <p:sldIdLst>
     <p:sldId id="256" r:id="rId2"/>
-    <p:sldId id="257" r:id="rId3"/>
-    <p:sldId id="261" r:id="rId4"/>
-    <p:sldId id="260" r:id="rId5"/>
-    <p:sldId id="258" r:id="rId6"/>
-    <p:sldId id="259" r:id="rId7"/>
+    <p:sldId id="260" r:id="rId3"/>
+    <p:sldId id="258" r:id="rId4"/>
+    <p:sldId id="259" r:id="rId5"/>
+    <p:sldId id="257" r:id="rId6"/>
+    <p:sldId id="261" r:id="rId7"/>
   </p:sldIdLst>
   <p:sldSz cx="12192000" cy="6858000"/>
   <p:notesSz cx="6858000" cy="9144000"/>
@@ -109,6 +109,11 @@
       </a:defRPr>
     </a:lvl9pPr>
   </p:defaultTextStyle>
+  <p:extLst>
+    <p:ext uri="{EFAFB233-063F-42B5-8137-9DF3F51BA10A}">
+      <p15:sldGuideLst xmlns:p15="http://schemas.microsoft.com/office/powerpoint/2012/main"/>
+    </p:ext>
+  </p:extLst>
 </p:presentation>
 </file>
 
@@ -259,7 +264,7 @@
           <a:p>
             <a:fld id="{BA6F337A-B280-409C-A2E7-97BABB6099CC}" type="datetimeFigureOut">
               <a:rPr lang="en-US" smtClean="0"/>
-              <a:t>11/11/2024</a:t>
+              <a:t>11/12/2024</a:t>
             </a:fld>
             <a:endParaRPr lang="en-US"/>
           </a:p>
@@ -457,7 +462,7 @@
           <a:p>
             <a:fld id="{BA6F337A-B280-409C-A2E7-97BABB6099CC}" type="datetimeFigureOut">
               <a:rPr lang="en-US" smtClean="0"/>
-              <a:t>11/11/2024</a:t>
+              <a:t>11/12/2024</a:t>
             </a:fld>
             <a:endParaRPr lang="en-US"/>
           </a:p>
@@ -665,7 +670,7 @@
           <a:p>
             <a:fld id="{BA6F337A-B280-409C-A2E7-97BABB6099CC}" type="datetimeFigureOut">
               <a:rPr lang="en-US" smtClean="0"/>
-              <a:t>11/11/2024</a:t>
+              <a:t>11/12/2024</a:t>
             </a:fld>
             <a:endParaRPr lang="en-US"/>
           </a:p>
@@ -863,7 +868,7 @@
           <a:p>
             <a:fld id="{BA6F337A-B280-409C-A2E7-97BABB6099CC}" type="datetimeFigureOut">
               <a:rPr lang="en-US" smtClean="0"/>
-              <a:t>11/11/2024</a:t>
+              <a:t>11/12/2024</a:t>
             </a:fld>
             <a:endParaRPr lang="en-US"/>
           </a:p>
@@ -1138,7 +1143,7 @@
           <a:p>
             <a:fld id="{BA6F337A-B280-409C-A2E7-97BABB6099CC}" type="datetimeFigureOut">
               <a:rPr lang="en-US" smtClean="0"/>
-              <a:t>11/11/2024</a:t>
+              <a:t>11/12/2024</a:t>
             </a:fld>
             <a:endParaRPr lang="en-US"/>
           </a:p>
@@ -1403,7 +1408,7 @@
           <a:p>
             <a:fld id="{BA6F337A-B280-409C-A2E7-97BABB6099CC}" type="datetimeFigureOut">
               <a:rPr lang="en-US" smtClean="0"/>
-              <a:t>11/11/2024</a:t>
+              <a:t>11/12/2024</a:t>
             </a:fld>
             <a:endParaRPr lang="en-US"/>
           </a:p>
@@ -1815,7 +1820,7 @@
           <a:p>
             <a:fld id="{BA6F337A-B280-409C-A2E7-97BABB6099CC}" type="datetimeFigureOut">
               <a:rPr lang="en-US" smtClean="0"/>
-              <a:t>11/11/2024</a:t>
+              <a:t>11/12/2024</a:t>
             </a:fld>
             <a:endParaRPr lang="en-US"/>
           </a:p>
@@ -1956,7 +1961,7 @@
           <a:p>
             <a:fld id="{BA6F337A-B280-409C-A2E7-97BABB6099CC}" type="datetimeFigureOut">
               <a:rPr lang="en-US" smtClean="0"/>
-              <a:t>11/11/2024</a:t>
+              <a:t>11/12/2024</a:t>
             </a:fld>
             <a:endParaRPr lang="en-US"/>
           </a:p>
@@ -2069,7 +2074,7 @@
           <a:p>
             <a:fld id="{BA6F337A-B280-409C-A2E7-97BABB6099CC}" type="datetimeFigureOut">
               <a:rPr lang="en-US" smtClean="0"/>
-              <a:t>11/11/2024</a:t>
+              <a:t>11/12/2024</a:t>
             </a:fld>
             <a:endParaRPr lang="en-US"/>
           </a:p>
@@ -2380,7 +2385,7 @@
           <a:p>
             <a:fld id="{BA6F337A-B280-409C-A2E7-97BABB6099CC}" type="datetimeFigureOut">
               <a:rPr lang="en-US" smtClean="0"/>
-              <a:t>11/11/2024</a:t>
+              <a:t>11/12/2024</a:t>
             </a:fld>
             <a:endParaRPr lang="en-US"/>
           </a:p>
@@ -2668,7 +2673,7 @@
           <a:p>
             <a:fld id="{BA6F337A-B280-409C-A2E7-97BABB6099CC}" type="datetimeFigureOut">
               <a:rPr lang="en-US" smtClean="0"/>
-              <a:t>11/11/2024</a:t>
+              <a:t>11/12/2024</a:t>
             </a:fld>
             <a:endParaRPr lang="en-US"/>
           </a:p>
@@ -2909,7 +2914,7 @@
           <a:p>
             <a:fld id="{BA6F337A-B280-409C-A2E7-97BABB6099CC}" type="datetimeFigureOut">
               <a:rPr lang="en-US" smtClean="0"/>
-              <a:t>11/11/2024</a:t>
+              <a:t>11/12/2024</a:t>
             </a:fld>
             <a:endParaRPr lang="en-US"/>
           </a:p>
@@ -3414,12 +3419,75 @@
           <a:chExt cx="0" cy="0"/>
         </a:xfrm>
       </p:grpSpPr>
+      <p:sp>
+        <p:nvSpPr>
+          <p:cNvPr id="2" name="Title 1">
+            <a:extLst>
+              <a:ext uri="{FF2B5EF4-FFF2-40B4-BE49-F238E27FC236}">
+                <a16:creationId xmlns:a16="http://schemas.microsoft.com/office/drawing/2014/main" id="{530AAE93-7CC8-1DB2-1539-E786CB5ED53F}"/>
+              </a:ext>
+            </a:extLst>
+          </p:cNvPr>
+          <p:cNvSpPr>
+            <a:spLocks noGrp="1"/>
+          </p:cNvSpPr>
+          <p:nvPr>
+            <p:ph type="title"/>
+          </p:nvPr>
+        </p:nvSpPr>
+        <p:spPr/>
+        <p:txBody>
+          <a:bodyPr/>
+          <a:lstStyle/>
+          <a:p>
+            <a:r>
+              <a:rPr lang="en-US" dirty="0"/>
+              <a:t>The Sale Price Comparisons </a:t>
+            </a:r>
+          </a:p>
+        </p:txBody>
+      </p:sp>
       <p:pic>
         <p:nvPicPr>
-          <p:cNvPr id="17" name="Picture 16">
-            <a:extLst>
-              <a:ext uri="{FF2B5EF4-FFF2-40B4-BE49-F238E27FC236}">
-                <a16:creationId xmlns:a16="http://schemas.microsoft.com/office/drawing/2014/main" id="{4A5F37C8-94CA-2F3C-FA5A-BC0FA20AAE8C}"/>
+          <p:cNvPr id="5" name="Content Placeholder 4">
+            <a:extLst>
+              <a:ext uri="{FF2B5EF4-FFF2-40B4-BE49-F238E27FC236}">
+                <a16:creationId xmlns:a16="http://schemas.microsoft.com/office/drawing/2014/main" id="{BAC8880D-DEA8-E093-C1CC-BCC9E90293F9}"/>
+              </a:ext>
+            </a:extLst>
+          </p:cNvPr>
+          <p:cNvPicPr>
+            <a:picLocks noGrp="1" noChangeAspect="1"/>
+          </p:cNvPicPr>
+          <p:nvPr>
+            <p:ph idx="1"/>
+          </p:nvPr>
+        </p:nvPicPr>
+        <p:blipFill>
+          <a:blip r:embed="rId2">
+            <a:extLst>
+              <a:ext uri="{28A0092B-C50C-407E-A947-70E740481C1C}">
+                <a14:useLocalDpi xmlns:a14="http://schemas.microsoft.com/office/drawing/2010/main" val="0"/>
+              </a:ext>
+            </a:extLst>
+          </a:blip>
+          <a:stretch>
+            <a:fillRect/>
+          </a:stretch>
+        </p:blipFill>
+        <p:spPr>
+          <a:xfrm>
+            <a:off x="6146388" y="1796009"/>
+            <a:ext cx="5801784" cy="4351338"/>
+          </a:xfrm>
+        </p:spPr>
+      </p:pic>
+      <p:pic>
+        <p:nvPicPr>
+          <p:cNvPr id="7" name="Picture 6">
+            <a:extLst>
+              <a:ext uri="{FF2B5EF4-FFF2-40B4-BE49-F238E27FC236}">
+                <a16:creationId xmlns:a16="http://schemas.microsoft.com/office/drawing/2014/main" id="{5787A0BC-A871-6C84-B5B4-E4FA8A1BA433}"/>
               </a:ext>
             </a:extLst>
           </p:cNvPr>
@@ -3429,15 +3497,21 @@
           <p:nvPr/>
         </p:nvPicPr>
         <p:blipFill>
-          <a:blip r:embed="rId2"/>
+          <a:blip r:embed="rId3">
+            <a:extLst>
+              <a:ext uri="{28A0092B-C50C-407E-A947-70E740481C1C}">
+                <a14:useLocalDpi xmlns:a14="http://schemas.microsoft.com/office/drawing/2010/main" val="0"/>
+              </a:ext>
+            </a:extLst>
+          </a:blip>
           <a:stretch>
             <a:fillRect/>
           </a:stretch>
         </p:blipFill>
         <p:spPr>
           <a:xfrm>
-            <a:off x="932156" y="1484455"/>
-            <a:ext cx="10327688" cy="5139826"/>
+            <a:off x="243828" y="1758218"/>
+            <a:ext cx="5852172" cy="4389129"/>
           </a:xfrm>
           <a:prstGeom prst="rect">
             <a:avLst/>
@@ -3446,28 +3520,70 @@
       </p:pic>
       <p:sp>
         <p:nvSpPr>
-          <p:cNvPr id="2" name="Title 1">
-            <a:extLst>
-              <a:ext uri="{FF2B5EF4-FFF2-40B4-BE49-F238E27FC236}">
-                <a16:creationId xmlns:a16="http://schemas.microsoft.com/office/drawing/2014/main" id="{347F8DA3-4C81-1B0E-58A7-6850A6B4A284}"/>
-              </a:ext>
-            </a:extLst>
-          </p:cNvPr>
-          <p:cNvSpPr>
-            <a:spLocks noGrp="1"/>
-          </p:cNvSpPr>
-          <p:nvPr>
-            <p:ph type="title"/>
-          </p:nvPr>
-        </p:nvSpPr>
-        <p:spPr/>
-        <p:txBody>
-          <a:bodyPr/>
+          <p:cNvPr id="8" name="TextBox 7">
+            <a:extLst>
+              <a:ext uri="{FF2B5EF4-FFF2-40B4-BE49-F238E27FC236}">
+                <a16:creationId xmlns:a16="http://schemas.microsoft.com/office/drawing/2014/main" id="{28F1BD64-3447-A2CF-A53A-81A566812BB1}"/>
+              </a:ext>
+            </a:extLst>
+          </p:cNvPr>
+          <p:cNvSpPr txBox="1"/>
+          <p:nvPr/>
+        </p:nvSpPr>
+        <p:spPr>
+          <a:xfrm>
+            <a:off x="1216241" y="6276513"/>
+            <a:ext cx="3551068" cy="369332"/>
+          </a:xfrm>
+          <a:prstGeom prst="rect">
+            <a:avLst/>
+          </a:prstGeom>
+          <a:noFill/>
+        </p:spPr>
+        <p:txBody>
+          <a:bodyPr wrap="square" rtlCol="0">
+            <a:spAutoFit/>
+          </a:bodyPr>
           <a:lstStyle/>
           <a:p>
             <a:r>
               <a:rPr lang="en-US" dirty="0"/>
-              <a:t>10 Random Predicts from the Model</a:t>
+              <a:t>Mean: $176,373</a:t>
+            </a:r>
+          </a:p>
+        </p:txBody>
+      </p:sp>
+      <p:sp>
+        <p:nvSpPr>
+          <p:cNvPr id="9" name="TextBox 8">
+            <a:extLst>
+              <a:ext uri="{FF2B5EF4-FFF2-40B4-BE49-F238E27FC236}">
+                <a16:creationId xmlns:a16="http://schemas.microsoft.com/office/drawing/2014/main" id="{A5E7B8E6-4BD9-9A47-4AC7-E8D0610C3312}"/>
+              </a:ext>
+            </a:extLst>
+          </p:cNvPr>
+          <p:cNvSpPr txBox="1"/>
+          <p:nvPr/>
+        </p:nvSpPr>
+        <p:spPr>
+          <a:xfrm>
+            <a:off x="7004482" y="6276513"/>
+            <a:ext cx="3971277" cy="369332"/>
+          </a:xfrm>
+          <a:prstGeom prst="rect">
+            <a:avLst/>
+          </a:prstGeom>
+          <a:noFill/>
+        </p:spPr>
+        <p:txBody>
+          <a:bodyPr wrap="square" rtlCol="0">
+            <a:spAutoFit/>
+          </a:bodyPr>
+          <a:lstStyle/>
+          <a:p>
+            <a:r>
+              <a:rPr lang="en-US" dirty="0"/>
+              <a:t>Mean: $175,341</a:t>
             </a:r>
           </a:p>
         </p:txBody>
@@ -3475,7 +3591,7 @@
     </p:spTree>
     <p:extLst>
       <p:ext uri="{BB962C8B-B14F-4D97-AF65-F5344CB8AC3E}">
-        <p14:creationId xmlns:p14="http://schemas.microsoft.com/office/powerpoint/2010/main" val="4290550369"/>
+        <p14:creationId xmlns:p14="http://schemas.microsoft.com/office/powerpoint/2010/main" val="666007164"/>
       </p:ext>
     </p:extLst>
   </p:cSld>
@@ -3502,45 +3618,12 @@
           <a:chExt cx="0" cy="0"/>
         </a:xfrm>
       </p:grpSpPr>
-      <p:sp>
-        <p:nvSpPr>
-          <p:cNvPr id="2" name="Title 1">
-            <a:extLst>
-              <a:ext uri="{FF2B5EF4-FFF2-40B4-BE49-F238E27FC236}">
-                <a16:creationId xmlns:a16="http://schemas.microsoft.com/office/drawing/2014/main" id="{8E62E4DA-EB1E-6E68-0A62-3A678ED85FC7}"/>
-              </a:ext>
-            </a:extLst>
-          </p:cNvPr>
-          <p:cNvSpPr>
-            <a:spLocks noGrp="1"/>
-          </p:cNvSpPr>
-          <p:nvPr>
-            <p:ph type="title"/>
-          </p:nvPr>
-        </p:nvSpPr>
-        <p:spPr>
-          <a:xfrm>
-            <a:off x="758301" y="81039"/>
-            <a:ext cx="10515600" cy="1325563"/>
-          </a:xfrm>
-        </p:spPr>
-        <p:txBody>
-          <a:bodyPr/>
-          <a:lstStyle/>
-          <a:p>
-            <a:r>
-              <a:rPr lang="en-US" dirty="0"/>
-              <a:t>Best and Worst Features</a:t>
-            </a:r>
-          </a:p>
-        </p:txBody>
-      </p:sp>
       <p:pic>
         <p:nvPicPr>
-          <p:cNvPr id="23" name="Content Placeholder 22">
-            <a:extLst>
-              <a:ext uri="{FF2B5EF4-FFF2-40B4-BE49-F238E27FC236}">
-                <a16:creationId xmlns:a16="http://schemas.microsoft.com/office/drawing/2014/main" id="{D76ED61D-7759-56DA-FFF5-176E7860DA10}"/>
+          <p:cNvPr id="5" name="Content Placeholder 4">
+            <a:extLst>
+              <a:ext uri="{FF2B5EF4-FFF2-40B4-BE49-F238E27FC236}">
+                <a16:creationId xmlns:a16="http://schemas.microsoft.com/office/drawing/2014/main" id="{4ADE5B08-7E7B-368A-EF7A-801A16AAC271}"/>
               </a:ext>
             </a:extLst>
           </p:cNvPr>
@@ -3565,66 +3648,43 @@
         </p:blipFill>
         <p:spPr>
           <a:xfrm>
-            <a:off x="1447060" y="1329688"/>
-            <a:ext cx="8818484" cy="5291092"/>
+            <a:off x="1779761" y="1678512"/>
+            <a:ext cx="8632478" cy="5179488"/>
           </a:xfrm>
         </p:spPr>
       </p:pic>
       <p:sp>
         <p:nvSpPr>
-          <p:cNvPr id="6" name="Title 1">
-            <a:extLst>
-              <a:ext uri="{FF2B5EF4-FFF2-40B4-BE49-F238E27FC236}">
-                <a16:creationId xmlns:a16="http://schemas.microsoft.com/office/drawing/2014/main" id="{9D22C689-306E-65A1-10A7-4295D9BC852D}"/>
-              </a:ext>
-            </a:extLst>
-          </p:cNvPr>
-          <p:cNvSpPr txBox="1">
-            <a:spLocks/>
-          </p:cNvSpPr>
-          <p:nvPr/>
-        </p:nvSpPr>
-        <p:spPr>
-          <a:xfrm>
-            <a:off x="2116791" y="608328"/>
-            <a:ext cx="7958418" cy="945060"/>
-          </a:xfrm>
-          <a:prstGeom prst="rect">
-            <a:avLst/>
-          </a:prstGeom>
-        </p:spPr>
-        <p:txBody>
-          <a:bodyPr vert="horz" lIns="91440" tIns="45720" rIns="91440" bIns="45720" rtlCol="0" anchor="ctr">
-            <a:normAutofit/>
-          </a:bodyPr>
-          <a:lstStyle>
-            <a:lvl1pPr algn="l" defTabSz="914400" rtl="0" eaLnBrk="1" latinLnBrk="0" hangingPunct="1">
-              <a:lnSpc>
-                <a:spcPct val="90000"/>
-              </a:lnSpc>
-              <a:spcBef>
-                <a:spcPct val="0"/>
-              </a:spcBef>
-              <a:buNone/>
-              <a:defRPr sz="4400" kern="1200">
-                <a:solidFill>
-                  <a:schemeClr val="tx1"/>
-                </a:solidFill>
-                <a:latin typeface="+mj-lt"/>
-                <a:ea typeface="+mj-ea"/>
-                <a:cs typeface="+mj-cs"/>
-              </a:defRPr>
-            </a:lvl1pPr>
-          </a:lstStyle>
-          <a:p>
-            <a:endParaRPr lang="en-US"/>
+          <p:cNvPr id="2" name="Title 1">
+            <a:extLst>
+              <a:ext uri="{FF2B5EF4-FFF2-40B4-BE49-F238E27FC236}">
+                <a16:creationId xmlns:a16="http://schemas.microsoft.com/office/drawing/2014/main" id="{488EE21C-781D-6E54-8657-550AC1AFAB13}"/>
+              </a:ext>
+            </a:extLst>
+          </p:cNvPr>
+          <p:cNvSpPr>
+            <a:spLocks noGrp="1"/>
+          </p:cNvSpPr>
+          <p:nvPr>
+            <p:ph type="title"/>
+          </p:nvPr>
+        </p:nvSpPr>
+        <p:spPr/>
+        <p:txBody>
+          <a:bodyPr/>
+          <a:lstStyle/>
+          <a:p>
+            <a:r>
+              <a:rPr lang="en-US" dirty="0"/>
+              <a:t>Actual vs Predicted Sales Price</a:t>
+            </a:r>
           </a:p>
         </p:txBody>
       </p:sp>
     </p:spTree>
     <p:extLst>
       <p:ext uri="{BB962C8B-B14F-4D97-AF65-F5344CB8AC3E}">
-        <p14:creationId xmlns:p14="http://schemas.microsoft.com/office/powerpoint/2010/main" val="972163430"/>
+        <p14:creationId xmlns:p14="http://schemas.microsoft.com/office/powerpoint/2010/main" val="3829240200"/>
       </p:ext>
     </p:extLst>
   </p:cSld>
@@ -3651,40 +3711,12 @@
           <a:chExt cx="0" cy="0"/>
         </a:xfrm>
       </p:grpSpPr>
-      <p:sp>
-        <p:nvSpPr>
-          <p:cNvPr id="2" name="Title 1">
-            <a:extLst>
-              <a:ext uri="{FF2B5EF4-FFF2-40B4-BE49-F238E27FC236}">
-                <a16:creationId xmlns:a16="http://schemas.microsoft.com/office/drawing/2014/main" id="{530AAE93-7CC8-1DB2-1539-E786CB5ED53F}"/>
-              </a:ext>
-            </a:extLst>
-          </p:cNvPr>
-          <p:cNvSpPr>
-            <a:spLocks noGrp="1"/>
-          </p:cNvSpPr>
-          <p:nvPr>
-            <p:ph type="title"/>
-          </p:nvPr>
-        </p:nvSpPr>
-        <p:spPr/>
-        <p:txBody>
-          <a:bodyPr/>
-          <a:lstStyle/>
-          <a:p>
-            <a:r>
-              <a:rPr lang="en-US" dirty="0"/>
-              <a:t>The Sale Price Comparisons </a:t>
-            </a:r>
-          </a:p>
-        </p:txBody>
-      </p:sp>
       <p:pic>
         <p:nvPicPr>
-          <p:cNvPr id="5" name="Content Placeholder 4">
-            <a:extLst>
-              <a:ext uri="{FF2B5EF4-FFF2-40B4-BE49-F238E27FC236}">
-                <a16:creationId xmlns:a16="http://schemas.microsoft.com/office/drawing/2014/main" id="{BAC8880D-DEA8-E093-C1CC-BCC9E90293F9}"/>
+          <p:cNvPr id="9" name="Content Placeholder 8">
+            <a:extLst>
+              <a:ext uri="{FF2B5EF4-FFF2-40B4-BE49-F238E27FC236}">
+                <a16:creationId xmlns:a16="http://schemas.microsoft.com/office/drawing/2014/main" id="{761E73A1-1751-E7DC-8F18-6E9DCACE942A}"/>
               </a:ext>
             </a:extLst>
           </p:cNvPr>
@@ -3709,113 +3741,35 @@
         </p:blipFill>
         <p:spPr>
           <a:xfrm>
-            <a:off x="6146388" y="1796009"/>
-            <a:ext cx="5801784" cy="4351338"/>
+            <a:off x="1469041" y="1154096"/>
+            <a:ext cx="9253918" cy="5552352"/>
           </a:xfrm>
         </p:spPr>
       </p:pic>
-      <p:pic>
-        <p:nvPicPr>
-          <p:cNvPr id="7" name="Picture 6">
-            <a:extLst>
-              <a:ext uri="{FF2B5EF4-FFF2-40B4-BE49-F238E27FC236}">
-                <a16:creationId xmlns:a16="http://schemas.microsoft.com/office/drawing/2014/main" id="{5787A0BC-A871-6C84-B5B4-E4FA8A1BA433}"/>
-              </a:ext>
-            </a:extLst>
-          </p:cNvPr>
-          <p:cNvPicPr>
-            <a:picLocks noChangeAspect="1"/>
-          </p:cNvPicPr>
-          <p:nvPr/>
-        </p:nvPicPr>
-        <p:blipFill>
-          <a:blip r:embed="rId3">
-            <a:extLst>
-              <a:ext uri="{28A0092B-C50C-407E-A947-70E740481C1C}">
-                <a14:useLocalDpi xmlns:a14="http://schemas.microsoft.com/office/drawing/2010/main" val="0"/>
-              </a:ext>
-            </a:extLst>
-          </a:blip>
-          <a:stretch>
-            <a:fillRect/>
-          </a:stretch>
-        </p:blipFill>
-        <p:spPr>
-          <a:xfrm>
-            <a:off x="243828" y="1758218"/>
-            <a:ext cx="5852172" cy="4389129"/>
-          </a:xfrm>
-          <a:prstGeom prst="rect">
-            <a:avLst/>
-          </a:prstGeom>
-        </p:spPr>
-      </p:pic>
-      <p:sp>
-        <p:nvSpPr>
-          <p:cNvPr id="8" name="TextBox 7">
-            <a:extLst>
-              <a:ext uri="{FF2B5EF4-FFF2-40B4-BE49-F238E27FC236}">
-                <a16:creationId xmlns:a16="http://schemas.microsoft.com/office/drawing/2014/main" id="{28F1BD64-3447-A2CF-A53A-81A566812BB1}"/>
-              </a:ext>
-            </a:extLst>
-          </p:cNvPr>
-          <p:cNvSpPr txBox="1"/>
-          <p:nvPr/>
-        </p:nvSpPr>
-        <p:spPr>
-          <a:xfrm>
-            <a:off x="1216241" y="6276513"/>
-            <a:ext cx="3551068" cy="369332"/>
-          </a:xfrm>
-          <a:prstGeom prst="rect">
-            <a:avLst/>
-          </a:prstGeom>
-          <a:noFill/>
-        </p:spPr>
-        <p:txBody>
-          <a:bodyPr wrap="square" rtlCol="0">
-            <a:spAutoFit/>
-          </a:bodyPr>
+      <p:sp>
+        <p:nvSpPr>
+          <p:cNvPr id="2" name="Title 1">
+            <a:extLst>
+              <a:ext uri="{FF2B5EF4-FFF2-40B4-BE49-F238E27FC236}">
+                <a16:creationId xmlns:a16="http://schemas.microsoft.com/office/drawing/2014/main" id="{7D5F47FF-E81F-1FFB-2900-DF68F88F6CA1}"/>
+              </a:ext>
+            </a:extLst>
+          </p:cNvPr>
+          <p:cNvSpPr>
+            <a:spLocks noGrp="1"/>
+          </p:cNvSpPr>
+          <p:nvPr>
+            <p:ph type="title"/>
+          </p:nvPr>
+        </p:nvSpPr>
+        <p:spPr/>
+        <p:txBody>
+          <a:bodyPr/>
           <a:lstStyle/>
           <a:p>
             <a:r>
               <a:rPr lang="en-US" dirty="0"/>
-              <a:t>Mean: $176,373</a:t>
-            </a:r>
-          </a:p>
-        </p:txBody>
-      </p:sp>
-      <p:sp>
-        <p:nvSpPr>
-          <p:cNvPr id="9" name="TextBox 8">
-            <a:extLst>
-              <a:ext uri="{FF2B5EF4-FFF2-40B4-BE49-F238E27FC236}">
-                <a16:creationId xmlns:a16="http://schemas.microsoft.com/office/drawing/2014/main" id="{A5E7B8E6-4BD9-9A47-4AC7-E8D0610C3312}"/>
-              </a:ext>
-            </a:extLst>
-          </p:cNvPr>
-          <p:cNvSpPr txBox="1"/>
-          <p:nvPr/>
-        </p:nvSpPr>
-        <p:spPr>
-          <a:xfrm>
-            <a:off x="7004482" y="6276513"/>
-            <a:ext cx="3971277" cy="369332"/>
-          </a:xfrm>
-          <a:prstGeom prst="rect">
-            <a:avLst/>
-          </a:prstGeom>
-          <a:noFill/>
-        </p:spPr>
-        <p:txBody>
-          <a:bodyPr wrap="square" rtlCol="0">
-            <a:spAutoFit/>
-          </a:bodyPr>
-          <a:lstStyle/>
-          <a:p>
-            <a:r>
-              <a:rPr lang="en-US" dirty="0"/>
-              <a:t>Mean: $175,341</a:t>
+              <a:t>The Errors</a:t>
             </a:r>
           </a:p>
         </p:txBody>
@@ -3823,7 +3777,7 @@
     </p:spTree>
     <p:extLst>
       <p:ext uri="{BB962C8B-B14F-4D97-AF65-F5344CB8AC3E}">
-        <p14:creationId xmlns:p14="http://schemas.microsoft.com/office/powerpoint/2010/main" val="666007164"/>
+        <p14:creationId xmlns:p14="http://schemas.microsoft.com/office/powerpoint/2010/main" val="1308474291"/>
       </p:ext>
     </p:extLst>
   </p:cSld>
@@ -3852,37 +3806,32 @@
       </p:grpSpPr>
       <p:pic>
         <p:nvPicPr>
-          <p:cNvPr id="5" name="Content Placeholder 4">
-            <a:extLst>
-              <a:ext uri="{FF2B5EF4-FFF2-40B4-BE49-F238E27FC236}">
-                <a16:creationId xmlns:a16="http://schemas.microsoft.com/office/drawing/2014/main" id="{4ADE5B08-7E7B-368A-EF7A-801A16AAC271}"/>
+          <p:cNvPr id="17" name="Picture 16">
+            <a:extLst>
+              <a:ext uri="{FF2B5EF4-FFF2-40B4-BE49-F238E27FC236}">
+                <a16:creationId xmlns:a16="http://schemas.microsoft.com/office/drawing/2014/main" id="{4A5F37C8-94CA-2F3C-FA5A-BC0FA20AAE8C}"/>
               </a:ext>
             </a:extLst>
           </p:cNvPr>
           <p:cNvPicPr>
-            <a:picLocks noGrp="1" noChangeAspect="1"/>
+            <a:picLocks noChangeAspect="1"/>
           </p:cNvPicPr>
-          <p:nvPr>
-            <p:ph idx="1"/>
-          </p:nvPr>
+          <p:nvPr/>
         </p:nvPicPr>
         <p:blipFill>
-          <a:blip r:embed="rId2">
-            <a:extLst>
-              <a:ext uri="{28A0092B-C50C-407E-A947-70E740481C1C}">
-                <a14:useLocalDpi xmlns:a14="http://schemas.microsoft.com/office/drawing/2010/main" val="0"/>
-              </a:ext>
-            </a:extLst>
-          </a:blip>
+          <a:blip r:embed="rId2"/>
           <a:stretch>
             <a:fillRect/>
           </a:stretch>
         </p:blipFill>
         <p:spPr>
           <a:xfrm>
-            <a:off x="1779761" y="1678512"/>
-            <a:ext cx="8632478" cy="5179488"/>
+            <a:off x="932156" y="1484455"/>
+            <a:ext cx="10327688" cy="5139826"/>
           </a:xfrm>
+          <a:prstGeom prst="rect">
+            <a:avLst/>
+          </a:prstGeom>
         </p:spPr>
       </p:pic>
       <p:sp>
@@ -3890,7 +3839,7 @@
           <p:cNvPr id="2" name="Title 1">
             <a:extLst>
               <a:ext uri="{FF2B5EF4-FFF2-40B4-BE49-F238E27FC236}">
-                <a16:creationId xmlns:a16="http://schemas.microsoft.com/office/drawing/2014/main" id="{488EE21C-781D-6E54-8657-550AC1AFAB13}"/>
+                <a16:creationId xmlns:a16="http://schemas.microsoft.com/office/drawing/2014/main" id="{347F8DA3-4C81-1B0E-58A7-6850A6B4A284}"/>
               </a:ext>
             </a:extLst>
           </p:cNvPr>
@@ -3908,7 +3857,7 @@
           <a:p>
             <a:r>
               <a:rPr lang="en-US" dirty="0"/>
-              <a:t>Actual vs Predicted Sales Price</a:t>
+              <a:t>10 Random Predictions from the Model</a:t>
             </a:r>
           </a:p>
         </p:txBody>
@@ -3916,7 +3865,7 @@
     </p:spTree>
     <p:extLst>
       <p:ext uri="{BB962C8B-B14F-4D97-AF65-F5344CB8AC3E}">
-        <p14:creationId xmlns:p14="http://schemas.microsoft.com/office/powerpoint/2010/main" val="3829240200"/>
+        <p14:creationId xmlns:p14="http://schemas.microsoft.com/office/powerpoint/2010/main" val="4290550369"/>
       </p:ext>
     </p:extLst>
   </p:cSld>
@@ -3943,12 +3892,45 @@
           <a:chExt cx="0" cy="0"/>
         </a:xfrm>
       </p:grpSpPr>
+      <p:sp>
+        <p:nvSpPr>
+          <p:cNvPr id="2" name="Title 1">
+            <a:extLst>
+              <a:ext uri="{FF2B5EF4-FFF2-40B4-BE49-F238E27FC236}">
+                <a16:creationId xmlns:a16="http://schemas.microsoft.com/office/drawing/2014/main" id="{8E62E4DA-EB1E-6E68-0A62-3A678ED85FC7}"/>
+              </a:ext>
+            </a:extLst>
+          </p:cNvPr>
+          <p:cNvSpPr>
+            <a:spLocks noGrp="1"/>
+          </p:cNvSpPr>
+          <p:nvPr>
+            <p:ph type="title"/>
+          </p:nvPr>
+        </p:nvSpPr>
+        <p:spPr>
+          <a:xfrm>
+            <a:off x="758301" y="81039"/>
+            <a:ext cx="10515600" cy="1325563"/>
+          </a:xfrm>
+        </p:spPr>
+        <p:txBody>
+          <a:bodyPr/>
+          <a:lstStyle/>
+          <a:p>
+            <a:r>
+              <a:rPr lang="en-US" dirty="0"/>
+              <a:t>Best and Worst Features</a:t>
+            </a:r>
+          </a:p>
+        </p:txBody>
+      </p:sp>
       <p:pic>
         <p:nvPicPr>
-          <p:cNvPr id="9" name="Content Placeholder 8">
-            <a:extLst>
-              <a:ext uri="{FF2B5EF4-FFF2-40B4-BE49-F238E27FC236}">
-                <a16:creationId xmlns:a16="http://schemas.microsoft.com/office/drawing/2014/main" id="{761E73A1-1751-E7DC-8F18-6E9DCACE942A}"/>
+          <p:cNvPr id="23" name="Content Placeholder 22">
+            <a:extLst>
+              <a:ext uri="{FF2B5EF4-FFF2-40B4-BE49-F238E27FC236}">
+                <a16:creationId xmlns:a16="http://schemas.microsoft.com/office/drawing/2014/main" id="{D76ED61D-7759-56DA-FFF5-176E7860DA10}"/>
               </a:ext>
             </a:extLst>
           </p:cNvPr>
@@ -3973,43 +3955,66 @@
         </p:blipFill>
         <p:spPr>
           <a:xfrm>
-            <a:off x="1469041" y="1154096"/>
-            <a:ext cx="9253918" cy="5552352"/>
+            <a:off x="1447060" y="1329688"/>
+            <a:ext cx="8818484" cy="5291092"/>
           </a:xfrm>
         </p:spPr>
       </p:pic>
       <p:sp>
         <p:nvSpPr>
-          <p:cNvPr id="2" name="Title 1">
-            <a:extLst>
-              <a:ext uri="{FF2B5EF4-FFF2-40B4-BE49-F238E27FC236}">
-                <a16:creationId xmlns:a16="http://schemas.microsoft.com/office/drawing/2014/main" id="{7D5F47FF-E81F-1FFB-2900-DF68F88F6CA1}"/>
-              </a:ext>
-            </a:extLst>
-          </p:cNvPr>
-          <p:cNvSpPr>
-            <a:spLocks noGrp="1"/>
-          </p:cNvSpPr>
-          <p:nvPr>
-            <p:ph type="title"/>
-          </p:nvPr>
-        </p:nvSpPr>
-        <p:spPr/>
-        <p:txBody>
-          <a:bodyPr/>
-          <a:lstStyle/>
-          <a:p>
-            <a:r>
-              <a:rPr lang="en-US" dirty="0"/>
-              <a:t>The Errors</a:t>
-            </a:r>
+          <p:cNvPr id="6" name="Title 1">
+            <a:extLst>
+              <a:ext uri="{FF2B5EF4-FFF2-40B4-BE49-F238E27FC236}">
+                <a16:creationId xmlns:a16="http://schemas.microsoft.com/office/drawing/2014/main" id="{9D22C689-306E-65A1-10A7-4295D9BC852D}"/>
+              </a:ext>
+            </a:extLst>
+          </p:cNvPr>
+          <p:cNvSpPr txBox="1">
+            <a:spLocks/>
+          </p:cNvSpPr>
+          <p:nvPr/>
+        </p:nvSpPr>
+        <p:spPr>
+          <a:xfrm>
+            <a:off x="2116791" y="608328"/>
+            <a:ext cx="7958418" cy="945060"/>
+          </a:xfrm>
+          <a:prstGeom prst="rect">
+            <a:avLst/>
+          </a:prstGeom>
+        </p:spPr>
+        <p:txBody>
+          <a:bodyPr vert="horz" lIns="91440" tIns="45720" rIns="91440" bIns="45720" rtlCol="0" anchor="ctr">
+            <a:normAutofit/>
+          </a:bodyPr>
+          <a:lstStyle>
+            <a:lvl1pPr algn="l" defTabSz="914400" rtl="0" eaLnBrk="1" latinLnBrk="0" hangingPunct="1">
+              <a:lnSpc>
+                <a:spcPct val="90000"/>
+              </a:lnSpc>
+              <a:spcBef>
+                <a:spcPct val="0"/>
+              </a:spcBef>
+              <a:buNone/>
+              <a:defRPr sz="4400" kern="1200">
+                <a:solidFill>
+                  <a:schemeClr val="tx1"/>
+                </a:solidFill>
+                <a:latin typeface="+mj-lt"/>
+                <a:ea typeface="+mj-ea"/>
+                <a:cs typeface="+mj-cs"/>
+              </a:defRPr>
+            </a:lvl1pPr>
+          </a:lstStyle>
+          <a:p>
+            <a:endParaRPr lang="en-US"/>
           </a:p>
         </p:txBody>
       </p:sp>
     </p:spTree>
     <p:extLst>
       <p:ext uri="{BB962C8B-B14F-4D97-AF65-F5344CB8AC3E}">
-        <p14:creationId xmlns:p14="http://schemas.microsoft.com/office/powerpoint/2010/main" val="1308474291"/>
+        <p14:creationId xmlns:p14="http://schemas.microsoft.com/office/powerpoint/2010/main" val="972163430"/>
       </p:ext>
     </p:extLst>
   </p:cSld>
